--- a/ppt/演示文稿1.pptx
+++ b/ppt/演示文稿1.pptx
@@ -5,7 +5,7 @@
     <p:sldMasterId id="2147483660" r:id="rId1"/>
   </p:sldMasterIdLst>
   <p:notesMasterIdLst>
-    <p:notesMasterId r:id="rId16"/>
+    <p:notesMasterId r:id="rId15"/>
   </p:notesMasterIdLst>
   <p:sldIdLst>
     <p:sldId id="256" r:id="rId2"/>
@@ -15,13 +15,12 @@
     <p:sldId id="261" r:id="rId6"/>
     <p:sldId id="262" r:id="rId7"/>
     <p:sldId id="263" r:id="rId8"/>
-    <p:sldId id="264" r:id="rId9"/>
-    <p:sldId id="265" r:id="rId10"/>
-    <p:sldId id="266" r:id="rId11"/>
-    <p:sldId id="267" r:id="rId12"/>
-    <p:sldId id="268" r:id="rId13"/>
-    <p:sldId id="269" r:id="rId14"/>
-    <p:sldId id="270" r:id="rId15"/>
+    <p:sldId id="265" r:id="rId9"/>
+    <p:sldId id="266" r:id="rId10"/>
+    <p:sldId id="267" r:id="rId11"/>
+    <p:sldId id="268" r:id="rId12"/>
+    <p:sldId id="269" r:id="rId13"/>
+    <p:sldId id="270" r:id="rId14"/>
   </p:sldIdLst>
   <p:sldSz cx="9144000" cy="6858000" type="screen4x3"/>
   <p:notesSz cx="6858000" cy="9144000"/>
@@ -132,7 +131,6 @@
             <p14:sldId id="261"/>
             <p14:sldId id="262"/>
             <p14:sldId id="263"/>
-            <p14:sldId id="264"/>
             <p14:sldId id="265"/>
             <p14:sldId id="266"/>
             <p14:sldId id="267"/>
@@ -229,7 +227,7 @@
           <a:p>
             <a:fld id="{732C77F2-CD5F-9744-BB28-4F65C48D652D}" type="datetimeFigureOut">
               <a:rPr kumimoji="1" lang="zh-CN" altLang="en-US" smtClean="0"/>
-              <a:t>19/2/25</a:t>
+              <a:t>19/2/27</a:t>
             </a:fld>
             <a:endParaRPr kumimoji="1" lang="zh-CN" altLang="en-US"/>
           </a:p>
@@ -854,15 +852,7 @@
             </a:r>
             <a:r>
               <a:rPr kumimoji="1" lang="zh-CN" altLang="en-US" dirty="0" smtClean="0"/>
-              <a:t>有什么用？</a:t>
-            </a:r>
-            <a:r>
-              <a:rPr kumimoji="1" lang="zh-CN" altLang="en-US" dirty="0" smtClean="0"/>
-              <a:t>里面的文件是可以共享吗？</a:t>
-            </a:r>
-            <a:r>
-              <a:rPr kumimoji="1" lang="zh-CN" altLang="en-US" dirty="0" smtClean="0"/>
-              <a:t>我们怎么把我们的文件放入到这里面？</a:t>
+              <a:t>有什么用？里面的文件是可以共享吗？我们怎么把我们的文件放入到这里面？</a:t>
             </a:r>
             <a:endParaRPr kumimoji="1" lang="zh-CN" altLang="en-US" dirty="0"/>
           </a:p>
@@ -952,7 +942,6 @@
               <a:rPr kumimoji="1" lang="en-US" altLang="zh-CN" dirty="0" smtClean="0"/>
               <a:t>=</a:t>
             </a:r>
-            <a:endParaRPr kumimoji="1" lang="en-US" altLang="zh-CN" dirty="0" smtClean="0"/>
           </a:p>
           <a:p>
             <a:endParaRPr kumimoji="1" lang="en-US" altLang="zh-CN" dirty="0" smtClean="0"/>
@@ -1037,6 +1026,111 @@
     <p:extLst>
       <p:ext uri="{BB962C8B-B14F-4D97-AF65-F5344CB8AC3E}">
         <p14:creationId xmlns:p14="http://schemas.microsoft.com/office/powerpoint/2010/main" val="2478199876"/>
+      </p:ext>
+    </p:extLst>
+  </p:cSld>
+  <p:clrMapOvr>
+    <a:masterClrMapping/>
+  </p:clrMapOvr>
+</p:notes>
+</file>
+
+<file path=ppt/notesSlides/notesSlide6.xml><?xml version="1.0" encoding="utf-8"?>
+<p:notes xmlns:a="http://schemas.openxmlformats.org/drawingml/2006/main" xmlns:r="http://schemas.openxmlformats.org/officeDocument/2006/relationships" xmlns:p="http://schemas.openxmlformats.org/presentationml/2006/main">
+  <p:cSld>
+    <p:spTree>
+      <p:nvGrpSpPr>
+        <p:cNvPr id="1" name=""/>
+        <p:cNvGrpSpPr/>
+        <p:nvPr/>
+      </p:nvGrpSpPr>
+      <p:grpSpPr>
+        <a:xfrm>
+          <a:off x="0" y="0"/>
+          <a:ext cx="0" cy="0"/>
+          <a:chOff x="0" y="0"/>
+          <a:chExt cx="0" cy="0"/>
+        </a:xfrm>
+      </p:grpSpPr>
+      <p:sp>
+        <p:nvSpPr>
+          <p:cNvPr id="2" name="幻灯片图像占位符 1"/>
+          <p:cNvSpPr>
+            <a:spLocks noGrp="1" noRot="1" noChangeAspect="1"/>
+          </p:cNvSpPr>
+          <p:nvPr>
+            <p:ph type="sldImg"/>
+          </p:nvPr>
+        </p:nvSpPr>
+        <p:spPr/>
+      </p:sp>
+      <p:sp>
+        <p:nvSpPr>
+          <p:cNvPr id="3" name="备注占位符 2"/>
+          <p:cNvSpPr>
+            <a:spLocks noGrp="1"/>
+          </p:cNvSpPr>
+          <p:nvPr>
+            <p:ph type="body" idx="1"/>
+          </p:nvPr>
+        </p:nvSpPr>
+        <p:spPr/>
+        <p:txBody>
+          <a:bodyPr/>
+          <a:lstStyle/>
+          <a:p>
+            <a:r>
+              <a:rPr kumimoji="1" lang="en-US" altLang="zh-CN" dirty="0" smtClean="0"/>
+              <a:t>=</a:t>
+            </a:r>
+          </a:p>
+          <a:p>
+            <a:endParaRPr kumimoji="1" lang="en-US" altLang="zh-CN" dirty="0" smtClean="0"/>
+          </a:p>
+          <a:p>
+            <a:r>
+              <a:rPr kumimoji="1" lang="zh-CN" altLang="en-US" dirty="0" smtClean="0"/>
+              <a:t>系统弹框，也就意味着我们并不需要和</a:t>
+            </a:r>
+            <a:r>
+              <a:rPr kumimoji="1" lang="en-US" altLang="zh-CN" dirty="0" smtClean="0"/>
+              <a:t>QQ</a:t>
+            </a:r>
+            <a:r>
+              <a:rPr kumimoji="1" lang="zh-CN" altLang="en-US" dirty="0" smtClean="0"/>
+              <a:t>交互</a:t>
+            </a:r>
+            <a:endParaRPr kumimoji="1" lang="zh-CN" altLang="en-US" dirty="0"/>
+          </a:p>
+        </p:txBody>
+      </p:sp>
+      <p:sp>
+        <p:nvSpPr>
+          <p:cNvPr id="4" name="幻灯片编号占位符 3"/>
+          <p:cNvSpPr>
+            <a:spLocks noGrp="1"/>
+          </p:cNvSpPr>
+          <p:nvPr>
+            <p:ph type="sldNum" sz="quarter" idx="10"/>
+          </p:nvPr>
+        </p:nvSpPr>
+        <p:spPr/>
+        <p:txBody>
+          <a:bodyPr/>
+          <a:lstStyle/>
+          <a:p>
+            <a:fld id="{2071BAD0-DF65-8C43-8B37-1CB77F2A36D6}" type="slidenum">
+              <a:rPr kumimoji="1" lang="zh-CN" altLang="en-US" smtClean="0"/>
+              <a:t>6</a:t>
+            </a:fld>
+            <a:endParaRPr kumimoji="1" lang="zh-CN" altLang="en-US"/>
+          </a:p>
+        </p:txBody>
+      </p:sp>
+    </p:spTree>
+    <p:extLst>
+      <p:ext uri="{BB962C8B-B14F-4D97-AF65-F5344CB8AC3E}">
+        <p14:creationId xmlns:p14="http://schemas.microsoft.com/office/powerpoint/2010/main" val="2527772553"/>
       </p:ext>
     </p:extLst>
   </p:cSld>
@@ -1232,7 +1326,7 @@
             <a:fld id="{8E36636D-D922-432D-A958-524484B5923D}" type="datetimeFigureOut">
               <a:rPr lang="en-US" smtClean="0"/>
               <a:pPr/>
-              <a:t>19/2/25</a:t>
+              <a:t>19/2/27</a:t>
             </a:fld>
             <a:endParaRPr lang="en-US"/>
           </a:p>
@@ -1399,7 +1493,7 @@
             <a:fld id="{8E36636D-D922-432D-A958-524484B5923D}" type="datetimeFigureOut">
               <a:rPr lang="en-US" smtClean="0"/>
               <a:pPr/>
-              <a:t>19/2/25</a:t>
+              <a:t>19/2/27</a:t>
             </a:fld>
             <a:endParaRPr lang="en-US"/>
           </a:p>
@@ -1576,7 +1670,7 @@
             <a:fld id="{8E36636D-D922-432D-A958-524484B5923D}" type="datetimeFigureOut">
               <a:rPr lang="en-US" smtClean="0"/>
               <a:pPr/>
-              <a:t>19/2/25</a:t>
+              <a:t>19/2/27</a:t>
             </a:fld>
             <a:endParaRPr lang="en-US"/>
           </a:p>
@@ -1743,7 +1837,7 @@
             <a:fld id="{8E36636D-D922-432D-A958-524484B5923D}" type="datetimeFigureOut">
               <a:rPr lang="en-US" smtClean="0"/>
               <a:pPr/>
-              <a:t>19/2/25</a:t>
+              <a:t>19/2/27</a:t>
             </a:fld>
             <a:endParaRPr lang="en-US"/>
           </a:p>
@@ -1984,7 +2078,7 @@
             <a:fld id="{8E36636D-D922-432D-A958-524484B5923D}" type="datetimeFigureOut">
               <a:rPr lang="en-US" smtClean="0"/>
               <a:pPr/>
-              <a:t>19/2/25</a:t>
+              <a:t>19/2/27</a:t>
             </a:fld>
             <a:endParaRPr lang="en-US"/>
           </a:p>
@@ -2269,7 +2363,7 @@
             <a:fld id="{8E36636D-D922-432D-A958-524484B5923D}" type="datetimeFigureOut">
               <a:rPr lang="en-US" smtClean="0"/>
               <a:pPr/>
-              <a:t>19/2/25</a:t>
+              <a:t>19/2/27</a:t>
             </a:fld>
             <a:endParaRPr lang="en-US"/>
           </a:p>
@@ -2688,7 +2782,7 @@
             <a:fld id="{8E36636D-D922-432D-A958-524484B5923D}" type="datetimeFigureOut">
               <a:rPr lang="en-US" smtClean="0"/>
               <a:pPr/>
-              <a:t>19/2/25</a:t>
+              <a:t>19/2/27</a:t>
             </a:fld>
             <a:endParaRPr lang="en-US"/>
           </a:p>
@@ -2803,7 +2897,7 @@
             <a:fld id="{8E36636D-D922-432D-A958-524484B5923D}" type="datetimeFigureOut">
               <a:rPr lang="en-US" smtClean="0"/>
               <a:pPr/>
-              <a:t>19/2/25</a:t>
+              <a:t>19/2/27</a:t>
             </a:fld>
             <a:endParaRPr lang="en-US"/>
           </a:p>
@@ -2895,7 +2989,7 @@
             <a:fld id="{8E36636D-D922-432D-A958-524484B5923D}" type="datetimeFigureOut">
               <a:rPr lang="en-US" smtClean="0"/>
               <a:pPr/>
-              <a:t>19/2/25</a:t>
+              <a:t>19/2/27</a:t>
             </a:fld>
             <a:endParaRPr lang="en-US"/>
           </a:p>
@@ -3176,7 +3270,7 @@
             <a:fld id="{8E36636D-D922-432D-A958-524484B5923D}" type="datetimeFigureOut">
               <a:rPr lang="en-US" smtClean="0"/>
               <a:pPr/>
-              <a:t>19/2/25</a:t>
+              <a:t>19/2/27</a:t>
             </a:fld>
             <a:endParaRPr lang="en-US"/>
           </a:p>
@@ -3437,7 +3531,7 @@
             <a:fld id="{8E36636D-D922-432D-A958-524484B5923D}" type="datetimeFigureOut">
               <a:rPr lang="en-US" smtClean="0"/>
               <a:pPr/>
-              <a:t>19/2/25</a:t>
+              <a:t>19/2/27</a:t>
             </a:fld>
             <a:endParaRPr lang="en-US"/>
           </a:p>
@@ -3647,7 +3741,7 @@
             <a:fld id="{8E36636D-D922-432D-A958-524484B5923D}" type="datetimeFigureOut">
               <a:rPr lang="en-US" smtClean="0"/>
               <a:pPr/>
-              <a:t>19/2/25</a:t>
+              <a:t>19/2/27</a:t>
             </a:fld>
             <a:endParaRPr lang="en-US"/>
           </a:p>
@@ -4354,13 +4448,20 @@
     </p:spTree>
     <p:extLst>
       <p:ext uri="{BB962C8B-B14F-4D97-AF65-F5344CB8AC3E}">
-        <p14:creationId xmlns:p14="http://schemas.microsoft.com/office/powerpoint/2010/main" val="3101229211"/>
+        <p14:creationId xmlns:p14="http://schemas.microsoft.com/office/powerpoint/2010/main" val="3204087999"/>
       </p:ext>
     </p:extLst>
   </p:cSld>
   <p:clrMapOvr>
     <a:masterClrMapping/>
   </p:clrMapOvr>
+  <p:timing>
+    <p:tnLst>
+      <p:par>
+        <p:cTn xmlns:p14="http://schemas.microsoft.com/office/powerpoint/2010/main" id="1" dur="indefinite" restart="never" nodeType="tmRoot"/>
+      </p:par>
+    </p:tnLst>
+  </p:timing>
 </p:sld>
 </file>
 
@@ -4422,7 +4523,7 @@
     </p:spTree>
     <p:extLst>
       <p:ext uri="{BB962C8B-B14F-4D97-AF65-F5344CB8AC3E}">
-        <p14:creationId xmlns:p14="http://schemas.microsoft.com/office/powerpoint/2010/main" val="3204087999"/>
+        <p14:creationId xmlns:p14="http://schemas.microsoft.com/office/powerpoint/2010/main" val="4187283652"/>
       </p:ext>
     </p:extLst>
   </p:cSld>
@@ -4490,7 +4591,7 @@
     </p:spTree>
     <p:extLst>
       <p:ext uri="{BB962C8B-B14F-4D97-AF65-F5344CB8AC3E}">
-        <p14:creationId xmlns:p14="http://schemas.microsoft.com/office/powerpoint/2010/main" val="4187283652"/>
+        <p14:creationId xmlns:p14="http://schemas.microsoft.com/office/powerpoint/2010/main" val="2301143356"/>
       </p:ext>
     </p:extLst>
   </p:cSld>
@@ -4501,74 +4602,6 @@
 </file>
 
 <file path=ppt/slides/slide13.xml><?xml version="1.0" encoding="utf-8"?>
-<p:sld xmlns:a="http://schemas.openxmlformats.org/drawingml/2006/main" xmlns:r="http://schemas.openxmlformats.org/officeDocument/2006/relationships" xmlns:p="http://schemas.openxmlformats.org/presentationml/2006/main">
-  <p:cSld>
-    <p:spTree>
-      <p:nvGrpSpPr>
-        <p:cNvPr id="1" name=""/>
-        <p:cNvGrpSpPr/>
-        <p:nvPr/>
-      </p:nvGrpSpPr>
-      <p:grpSpPr>
-        <a:xfrm>
-          <a:off x="0" y="0"/>
-          <a:ext cx="0" cy="0"/>
-          <a:chOff x="0" y="0"/>
-          <a:chExt cx="0" cy="0"/>
-        </a:xfrm>
-      </p:grpSpPr>
-      <p:sp>
-        <p:nvSpPr>
-          <p:cNvPr id="2" name="标题 1"/>
-          <p:cNvSpPr>
-            <a:spLocks noGrp="1"/>
-          </p:cNvSpPr>
-          <p:nvPr>
-            <p:ph type="title"/>
-          </p:nvPr>
-        </p:nvSpPr>
-        <p:spPr/>
-        <p:txBody>
-          <a:bodyPr/>
-          <a:lstStyle/>
-          <a:p>
-            <a:endParaRPr kumimoji="1" lang="zh-CN" altLang="en-US"/>
-          </a:p>
-        </p:txBody>
-      </p:sp>
-      <p:sp>
-        <p:nvSpPr>
-          <p:cNvPr id="3" name="内容占位符 2"/>
-          <p:cNvSpPr>
-            <a:spLocks noGrp="1"/>
-          </p:cNvSpPr>
-          <p:nvPr>
-            <p:ph idx="1"/>
-          </p:nvPr>
-        </p:nvSpPr>
-        <p:spPr/>
-        <p:txBody>
-          <a:bodyPr/>
-          <a:lstStyle/>
-          <a:p>
-            <a:endParaRPr kumimoji="1" lang="zh-CN" altLang="en-US"/>
-          </a:p>
-        </p:txBody>
-      </p:sp>
-    </p:spTree>
-    <p:extLst>
-      <p:ext uri="{BB962C8B-B14F-4D97-AF65-F5344CB8AC3E}">
-        <p14:creationId xmlns:p14="http://schemas.microsoft.com/office/powerpoint/2010/main" val="2301143356"/>
-      </p:ext>
-    </p:extLst>
-  </p:cSld>
-  <p:clrMapOvr>
-    <a:masterClrMapping/>
-  </p:clrMapOvr>
-</p:sld>
-</file>
-
-<file path=ppt/slides/slide14.xml><?xml version="1.0" encoding="utf-8"?>
 <p:sld xmlns:a="http://schemas.openxmlformats.org/drawingml/2006/main" xmlns:r="http://schemas.openxmlformats.org/officeDocument/2006/relationships" xmlns:p="http://schemas.openxmlformats.org/presentationml/2006/main">
   <p:cSld>
     <p:spTree>
@@ -5027,15 +5060,7 @@
             </a:r>
             <a:r>
               <a:rPr kumimoji="1" lang="zh-CN" altLang="en-US" dirty="0" smtClean="0"/>
-              <a:t>是否有某个类可以</a:t>
-            </a:r>
-            <a:r>
-              <a:rPr kumimoji="1" lang="zh-CN" altLang="en-US" dirty="0" smtClean="0"/>
-              <a:t>直接</a:t>
-            </a:r>
-            <a:r>
-              <a:rPr kumimoji="1" lang="zh-CN" altLang="en-US" dirty="0" smtClean="0"/>
-              <a:t>浏览沙盒里面的</a:t>
+              <a:t>是否有某个类可以直接浏览沙盒里面的</a:t>
             </a:r>
             <a:r>
               <a:rPr kumimoji="1" lang="zh-CN" altLang="en-US" dirty="0"/>
@@ -5389,11 +5414,169 @@
         </p:blipFill>
         <p:spPr>
           <a:xfrm>
-            <a:off x="2384778" y="0"/>
-            <a:ext cx="3457222" cy="6731000"/>
+            <a:off x="0" y="28222"/>
+            <a:ext cx="3457222" cy="6829778"/>
           </a:xfrm>
         </p:spPr>
       </p:pic>
+      <p:sp>
+        <p:nvSpPr>
+          <p:cNvPr id="2" name="文本框 1"/>
+          <p:cNvSpPr txBox="1"/>
+          <p:nvPr/>
+        </p:nvSpPr>
+        <p:spPr>
+          <a:xfrm>
+            <a:off x="3626556" y="28222"/>
+            <a:ext cx="5319888" cy="6731000"/>
+          </a:xfrm>
+          <a:prstGeom prst="rect">
+            <a:avLst/>
+          </a:prstGeom>
+          <a:noFill/>
+        </p:spPr>
+        <p:txBody>
+          <a:bodyPr wrap="square" rtlCol="0" anchor="ctr" anchorCtr="0">
+            <a:noAutofit/>
+          </a:bodyPr>
+          <a:lstStyle/>
+          <a:p>
+            <a:r>
+              <a:rPr kumimoji="1" lang="en-US" altLang="zh-CN" sz="2200" dirty="0" err="1" smtClean="0"/>
+              <a:t>Info.plist</a:t>
+            </a:r>
+            <a:endParaRPr kumimoji="1" lang="en-US" altLang="zh-CN" sz="2200" dirty="0" smtClean="0"/>
+          </a:p>
+          <a:p>
+            <a:pPr marL="285750" indent="-285750">
+              <a:buFont typeface="Wingdings" charset="2"/>
+              <a:buChar char="l"/>
+            </a:pPr>
+            <a:endParaRPr kumimoji="1" lang="en-US" altLang="zh-CN" sz="2200" dirty="0"/>
+          </a:p>
+          <a:p>
+            <a:pPr marL="285750" indent="-285750">
+              <a:buFont typeface="Wingdings" charset="2"/>
+              <a:buChar char="l"/>
+            </a:pPr>
+            <a:r>
+              <a:rPr kumimoji="1" lang="en-US" altLang="zh-CN" sz="2200" dirty="0"/>
+              <a:t>Application supports iTunes file </a:t>
+            </a:r>
+            <a:r>
+              <a:rPr kumimoji="1" lang="en-US" altLang="zh-CN" sz="2200" dirty="0" smtClean="0"/>
+              <a:t>sharing</a:t>
+            </a:r>
+          </a:p>
+          <a:p>
+            <a:endParaRPr kumimoji="1" lang="en-US" altLang="zh-CN" sz="2200" dirty="0" smtClean="0"/>
+          </a:p>
+          <a:p>
+            <a:pPr marL="285750" indent="-285750">
+              <a:buFont typeface="Wingdings" charset="2"/>
+              <a:buChar char="l"/>
+            </a:pPr>
+            <a:r>
+              <a:rPr kumimoji="1" lang="en-US" altLang="zh-CN" sz="2200" dirty="0"/>
+              <a:t>Supports opening documents in </a:t>
+            </a:r>
+            <a:r>
+              <a:rPr kumimoji="1" lang="en-US" altLang="zh-CN" sz="2200" dirty="0" smtClean="0"/>
+              <a:t>place</a:t>
+            </a:r>
+          </a:p>
+          <a:p>
+            <a:endParaRPr kumimoji="1" lang="en-US" altLang="zh-CN" sz="2200" dirty="0" smtClean="0"/>
+          </a:p>
+          <a:p>
+            <a:r>
+              <a:rPr kumimoji="1" lang="zh-CN" altLang="en-US" sz="2200" dirty="0" smtClean="0"/>
+              <a:t>设置成</a:t>
+            </a:r>
+            <a:r>
+              <a:rPr kumimoji="1" lang="en-US" altLang="zh-CN" sz="2200" dirty="0" smtClean="0"/>
+              <a:t>YES</a:t>
+            </a:r>
+            <a:r>
+              <a:rPr kumimoji="1" lang="zh-CN" altLang="en-US" sz="2200" dirty="0" smtClean="0"/>
+              <a:t>后，沙盒</a:t>
+            </a:r>
+            <a:r>
+              <a:rPr kumimoji="1" lang="en-US" altLang="zh-CN" sz="2200" dirty="0" smtClean="0"/>
+              <a:t>Documents</a:t>
+            </a:r>
+            <a:r>
+              <a:rPr kumimoji="1" lang="zh-CN" altLang="en-US" sz="2200" dirty="0" smtClean="0"/>
+              <a:t>文件夹下的内容，就会展示在“</a:t>
+            </a:r>
+            <a:r>
+              <a:rPr kumimoji="1" lang="zh-CN" altLang="en-US" sz="2200" dirty="0" smtClean="0"/>
+              <a:t>文件</a:t>
+            </a:r>
+            <a:r>
+              <a:rPr kumimoji="1" lang="zh-CN" altLang="en-US" sz="2200" dirty="0" smtClean="0"/>
+              <a:t>”</a:t>
+            </a:r>
+            <a:r>
+              <a:rPr kumimoji="1" lang="en-US" altLang="zh-CN" sz="2200" dirty="0" smtClean="0"/>
+              <a:t>APP</a:t>
+            </a:r>
+            <a:r>
+              <a:rPr kumimoji="1" lang="zh-CN" altLang="en-US" sz="2200" dirty="0" smtClean="0"/>
+              <a:t>中</a:t>
+            </a:r>
+            <a:endParaRPr kumimoji="1" lang="en-US" altLang="zh-CN" sz="2200" dirty="0" smtClean="0"/>
+          </a:p>
+          <a:p>
+            <a:endParaRPr kumimoji="1" lang="en-US" altLang="zh-CN" sz="2200" dirty="0" smtClean="0"/>
+          </a:p>
+          <a:p>
+            <a:endParaRPr kumimoji="1" lang="en-US" altLang="zh-CN" sz="2200" dirty="0"/>
+          </a:p>
+          <a:p>
+            <a:r>
+              <a:rPr kumimoji="1" lang="zh-CN" altLang="en-US" sz="2200" dirty="0" smtClean="0"/>
+              <a:t>一旦在“文件”中展示，即表示其中的文件对外公开，其他</a:t>
+            </a:r>
+            <a:r>
+              <a:rPr kumimoji="1" lang="en-US" altLang="zh-CN" sz="2200" dirty="0" smtClean="0"/>
+              <a:t>APP</a:t>
+            </a:r>
+            <a:r>
+              <a:rPr kumimoji="1" lang="zh-CN" altLang="en-US" sz="2200" dirty="0" smtClean="0"/>
+              <a:t>也可以访问</a:t>
+            </a:r>
+            <a:endParaRPr kumimoji="1" lang="en-US" altLang="zh-CN" sz="2200" dirty="0" smtClean="0"/>
+          </a:p>
+          <a:p>
+            <a:endParaRPr kumimoji="1" lang="en-US" altLang="zh-CN" sz="2200" dirty="0"/>
+          </a:p>
+          <a:p>
+            <a:r>
+              <a:rPr kumimoji="1" lang="zh-CN" altLang="en-US" sz="2200" dirty="0" smtClean="0"/>
+              <a:t>通过以下类即可访问：</a:t>
+            </a:r>
+            <a:endParaRPr kumimoji="1" lang="en-US" altLang="zh-CN" sz="2200" dirty="0" smtClean="0"/>
+          </a:p>
+          <a:p>
+            <a:endParaRPr kumimoji="1" lang="en-US" altLang="zh-CN" sz="2200" dirty="0"/>
+          </a:p>
+          <a:p>
+            <a:r>
+              <a:rPr lang="en-US" altLang="zh-CN" sz="2200" dirty="0" err="1" smtClean="0"/>
+              <a:t>UIDocumentPickerViewController</a:t>
+            </a:r>
+            <a:endParaRPr lang="en-US" altLang="zh-CN" sz="2200" dirty="0"/>
+          </a:p>
+          <a:p>
+            <a:r>
+              <a:rPr lang="en-US" altLang="zh-CN" sz="2200" dirty="0" err="1" smtClean="0"/>
+              <a:t>UIDocumentBrowserViewController</a:t>
+            </a:r>
+            <a:endParaRPr kumimoji="1" lang="en-US" altLang="zh-CN" sz="2200" dirty="0"/>
+          </a:p>
+        </p:txBody>
+      </p:sp>
     </p:spTree>
     <p:extLst>
       <p:ext uri="{BB962C8B-B14F-4D97-AF65-F5344CB8AC3E}">
@@ -5543,7 +5726,15 @@
           <a:bodyPr/>
           <a:lstStyle/>
           <a:p>
-            <a:endParaRPr kumimoji="1" lang="zh-CN" altLang="en-US"/>
+            <a:r>
+              <a:rPr kumimoji="1" lang="zh-CN" altLang="en-US" dirty="0" smtClean="0"/>
+              <a:t>拷贝到</a:t>
+            </a:r>
+            <a:r>
+              <a:rPr kumimoji="1" lang="en-US" altLang="zh-CN" dirty="0" smtClean="0"/>
+              <a:t>“app”</a:t>
+            </a:r>
+            <a:endParaRPr kumimoji="1" lang="zh-CN" altLang="en-US" dirty="0"/>
           </a:p>
         </p:txBody>
       </p:sp>
@@ -5557,12 +5748,116 @@
             <p:ph idx="1"/>
           </p:nvPr>
         </p:nvSpPr>
-        <p:spPr/>
-        <p:txBody>
-          <a:bodyPr/>
-          <a:lstStyle/>
-          <a:p>
-            <a:endParaRPr kumimoji="1" lang="zh-CN" altLang="en-US"/>
+        <p:spPr>
+          <a:xfrm>
+            <a:off x="457200" y="1600200"/>
+            <a:ext cx="8229600" cy="5003800"/>
+          </a:xfrm>
+        </p:spPr>
+        <p:txBody>
+          <a:bodyPr>
+            <a:normAutofit/>
+          </a:bodyPr>
+          <a:lstStyle/>
+          <a:p>
+            <a:pPr marL="0" indent="0">
+              <a:buNone/>
+            </a:pPr>
+            <a:r>
+              <a:rPr kumimoji="1" lang="zh-CN" altLang="en-US" sz="2500" dirty="0" smtClean="0"/>
+              <a:t>首先呼出的共享弹框是系统的，我们并不需要和</a:t>
+            </a:r>
+            <a:r>
+              <a:rPr kumimoji="1" lang="en-US" altLang="zh-CN" sz="2500" dirty="0" smtClean="0"/>
+              <a:t>QQ</a:t>
+            </a:r>
+            <a:r>
+              <a:rPr kumimoji="1" lang="zh-CN" altLang="en-US" sz="2500" dirty="0" smtClean="0"/>
+              <a:t>交互；</a:t>
+            </a:r>
+            <a:endParaRPr kumimoji="1" lang="en-US" altLang="zh-CN" sz="2500" dirty="0" smtClean="0"/>
+          </a:p>
+          <a:p>
+            <a:pPr marL="0" indent="0">
+              <a:buNone/>
+            </a:pPr>
+            <a:r>
+              <a:rPr kumimoji="1" lang="zh-CN" altLang="en-US" sz="2500" dirty="0" smtClean="0"/>
+              <a:t>拷贝到</a:t>
+            </a:r>
+            <a:r>
+              <a:rPr kumimoji="1" lang="en-US" altLang="zh-CN" sz="2500" dirty="0" smtClean="0"/>
+              <a:t>APP</a:t>
+            </a:r>
+            <a:r>
+              <a:rPr kumimoji="1" lang="zh-CN" altLang="en-US" sz="2500" dirty="0" smtClean="0"/>
+              <a:t>的原理，即向系统申明自己的</a:t>
+            </a:r>
+            <a:r>
+              <a:rPr kumimoji="1" lang="en-US" altLang="zh-CN" sz="2500" dirty="0" smtClean="0"/>
+              <a:t>APP</a:t>
+            </a:r>
+            <a:r>
+              <a:rPr kumimoji="1" lang="zh-CN" altLang="en-US" sz="2500" dirty="0" smtClean="0"/>
+              <a:t>支持哪些文件类型，申明后共享对应类型的文件就会有拷贝到“</a:t>
+            </a:r>
+            <a:r>
+              <a:rPr kumimoji="1" lang="en-US" altLang="zh-CN" sz="2500" dirty="0" smtClean="0"/>
+              <a:t>APP</a:t>
+            </a:r>
+            <a:r>
+              <a:rPr kumimoji="1" lang="zh-CN" altLang="en-US" sz="2500" dirty="0" smtClean="0"/>
+              <a:t>”</a:t>
+            </a:r>
+            <a:endParaRPr kumimoji="1" lang="en-US" altLang="zh-CN" sz="2500" dirty="0" smtClean="0"/>
+          </a:p>
+          <a:p>
+            <a:pPr marL="0" indent="0">
+              <a:buNone/>
+            </a:pPr>
+            <a:endParaRPr kumimoji="1" lang="en-US" altLang="zh-CN" sz="2500" dirty="0" smtClean="0"/>
+          </a:p>
+          <a:p>
+            <a:pPr marL="0" indent="0">
+              <a:buNone/>
+            </a:pPr>
+            <a:r>
+              <a:rPr kumimoji="1" lang="zh-CN" altLang="en-US" sz="2500" dirty="0" smtClean="0"/>
+              <a:t>在</a:t>
+            </a:r>
+            <a:r>
+              <a:rPr kumimoji="1" lang="en-US" altLang="zh-CN" sz="2500" dirty="0" err="1" smtClean="0"/>
+              <a:t>info.plist</a:t>
+            </a:r>
+            <a:r>
+              <a:rPr kumimoji="1" lang="zh-CN" altLang="en-US" sz="2500" dirty="0"/>
+              <a:t> </a:t>
+            </a:r>
+            <a:r>
+              <a:rPr kumimoji="1" lang="zh-CN" altLang="en-US" sz="2500" dirty="0" smtClean="0"/>
+              <a:t>的</a:t>
+            </a:r>
+            <a:r>
+              <a:rPr kumimoji="1" lang="zh-CN" altLang="zh-CN" sz="2500" dirty="0" smtClean="0"/>
+              <a:t>D</a:t>
+            </a:r>
+            <a:r>
+              <a:rPr kumimoji="1" lang="en-US" altLang="zh-CN" sz="2500" dirty="0" err="1" smtClean="0"/>
+              <a:t>ocument</a:t>
+            </a:r>
+            <a:r>
+              <a:rPr kumimoji="1" lang="en-US" altLang="zh-CN" sz="2500" dirty="0" smtClean="0"/>
+              <a:t> Types </a:t>
+            </a:r>
+            <a:r>
+              <a:rPr kumimoji="1" lang="zh-CN" altLang="en-US" sz="2500" dirty="0" smtClean="0"/>
+              <a:t>添加想要支持的文件统一类型标识</a:t>
+            </a:r>
+            <a:r>
+              <a:rPr kumimoji="1" lang="en-US" altLang="zh-CN" sz="2500" dirty="0" smtClean="0"/>
+              <a:t>UTI</a:t>
+            </a:r>
+            <a:endParaRPr kumimoji="1" lang="en-US" altLang="zh-CN" sz="2500" dirty="0"/>
           </a:p>
         </p:txBody>
       </p:sp>
@@ -5576,6 +5871,13 @@
   <p:clrMapOvr>
     <a:masterClrMapping/>
   </p:clrMapOvr>
+  <p:timing>
+    <p:tnLst>
+      <p:par>
+        <p:cTn xmlns:p14="http://schemas.microsoft.com/office/powerpoint/2010/main" id="1" dur="indefinite" restart="never" nodeType="tmRoot"/>
+      </p:par>
+    </p:tnLst>
+  </p:timing>
 </p:sld>
 </file>
 
@@ -5606,31 +5908,126 @@
             <p:ph type="title"/>
           </p:nvPr>
         </p:nvSpPr>
-        <p:spPr/>
-        <p:txBody>
-          <a:bodyPr/>
-          <a:lstStyle/>
-          <a:p>
-            <a:endParaRPr kumimoji="1" lang="zh-CN" altLang="en-US"/>
-          </a:p>
-        </p:txBody>
-      </p:sp>
-      <p:sp>
-        <p:nvSpPr>
-          <p:cNvPr id="3" name="内容占位符 2"/>
-          <p:cNvSpPr>
-            <a:spLocks noGrp="1"/>
-          </p:cNvSpPr>
+        <p:spPr>
+          <a:xfrm>
+            <a:off x="457200" y="457200"/>
+            <a:ext cx="8229600" cy="897467"/>
+          </a:xfrm>
+        </p:spPr>
+        <p:txBody>
+          <a:bodyPr/>
+          <a:lstStyle/>
+          <a:p>
+            <a:r>
+              <a:rPr kumimoji="1" lang="en-US" altLang="zh-CN" dirty="0" smtClean="0"/>
+              <a:t>UTI</a:t>
+            </a:r>
+            <a:endParaRPr kumimoji="1" lang="zh-CN" altLang="en-US" dirty="0"/>
+          </a:p>
+        </p:txBody>
+      </p:sp>
+      <p:pic>
+        <p:nvPicPr>
+          <p:cNvPr id="4" name="内容占位符 3" descr="uniform_type_identifier_2x.png"/>
+          <p:cNvPicPr>
+            <a:picLocks noGrp="1" noChangeAspect="1"/>
+          </p:cNvPicPr>
           <p:nvPr>
             <p:ph idx="1"/>
           </p:nvPr>
-        </p:nvSpPr>
-        <p:spPr/>
-        <p:txBody>
-          <a:bodyPr/>
-          <a:lstStyle/>
-          <a:p>
-            <a:endParaRPr kumimoji="1" lang="zh-CN" altLang="en-US"/>
+        </p:nvPicPr>
+        <p:blipFill>
+          <a:blip r:embed="rId2">
+            <a:extLst>
+              <a:ext uri="{28A0092B-C50C-407E-A947-70E740481C1C}">
+                <a14:useLocalDpi xmlns:a14="http://schemas.microsoft.com/office/drawing/2010/main" val="0"/>
+              </a:ext>
+            </a:extLst>
+          </a:blip>
+          <a:srcRect t="-3896" b="-3896"/>
+          <a:stretch>
+            <a:fillRect/>
+          </a:stretch>
+        </p:blipFill>
+        <p:spPr>
+          <a:xfrm>
+            <a:off x="457200" y="3330222"/>
+            <a:ext cx="8229600" cy="3289830"/>
+          </a:xfrm>
+        </p:spPr>
+      </p:pic>
+      <p:sp>
+        <p:nvSpPr>
+          <p:cNvPr id="5" name="矩形 4"/>
+          <p:cNvSpPr/>
+          <p:nvPr/>
+        </p:nvSpPr>
+        <p:spPr>
+          <a:xfrm>
+            <a:off x="457200" y="1440010"/>
+            <a:ext cx="8094134" cy="1785104"/>
+          </a:xfrm>
+          <a:prstGeom prst="rect">
+            <a:avLst/>
+          </a:prstGeom>
+        </p:spPr>
+        <p:txBody>
+          <a:bodyPr wrap="square">
+            <a:spAutoFit/>
+          </a:bodyPr>
+          <a:lstStyle/>
+          <a:p>
+            <a:r>
+              <a:rPr kumimoji="1" lang="en-US" altLang="zh-CN" sz="2200" dirty="0" smtClean="0"/>
+              <a:t>UTI </a:t>
+            </a:r>
+            <a:r>
+              <a:rPr kumimoji="1" lang="en-US" altLang="zh-CN" sz="2200" dirty="0"/>
+              <a:t>(Uniform Type Identifier),</a:t>
+            </a:r>
+            <a:r>
+              <a:rPr kumimoji="1" lang="zh-CN" altLang="en-US" sz="2200" dirty="0"/>
+              <a:t>统一类型标识</a:t>
+            </a:r>
+            <a:r>
+              <a:rPr kumimoji="1" lang="zh-CN" altLang="en-US" sz="2200" dirty="0" smtClean="0"/>
+              <a:t>符</a:t>
+            </a:r>
+            <a:endParaRPr kumimoji="1" lang="en-US" altLang="zh-CN" sz="2200" dirty="0" smtClean="0"/>
+          </a:p>
+          <a:p>
+            <a:endParaRPr kumimoji="1" lang="en-US" altLang="zh-CN" sz="2200" dirty="0"/>
+          </a:p>
+          <a:p>
+            <a:r>
+              <a:rPr kumimoji="1" lang="zh-CN" altLang="en-US" sz="2200" dirty="0" smtClean="0">
+                <a:hlinkClick r:id="rId3"/>
+              </a:rPr>
+              <a:t>查看官方说明文档</a:t>
+            </a:r>
+            <a:endParaRPr kumimoji="1" lang="en-US" altLang="zh-CN" sz="2200" dirty="0" smtClean="0"/>
+          </a:p>
+          <a:p>
+            <a:endParaRPr kumimoji="1" lang="en-US" altLang="zh-CN" sz="2200" dirty="0"/>
+          </a:p>
+          <a:p>
+            <a:r>
+              <a:rPr kumimoji="1" lang="zh-CN" altLang="en-US" sz="2200" dirty="0" smtClean="0"/>
+              <a:t>参考文档：</a:t>
+            </a:r>
+            <a:r>
+              <a:rPr kumimoji="1" lang="en-US" altLang="zh-CN" sz="2200" dirty="0"/>
+              <a:t>https://</a:t>
+            </a:r>
+            <a:r>
+              <a:rPr kumimoji="1" lang="en-US" altLang="zh-CN" sz="2200" dirty="0" err="1"/>
+              <a:t>www.jianshu.com</a:t>
+            </a:r>
+            <a:r>
+              <a:rPr kumimoji="1" lang="en-US" altLang="zh-CN" sz="2200" dirty="0"/>
+              <a:t>/p/cee3cc083807</a:t>
+            </a:r>
+            <a:endParaRPr kumimoji="1" lang="en-US" altLang="zh-CN" sz="2200" dirty="0" smtClean="0"/>
           </a:p>
         </p:txBody>
       </p:sp>
@@ -5644,6 +6041,13 @@
   <p:clrMapOvr>
     <a:masterClrMapping/>
   </p:clrMapOvr>
+  <p:timing>
+    <p:tnLst>
+      <p:par>
+        <p:cTn xmlns:p14="http://schemas.microsoft.com/office/powerpoint/2010/main" id="1" dur="indefinite" restart="never" nodeType="tmRoot"/>
+      </p:par>
+    </p:tnLst>
+  </p:timing>
 </p:sld>
 </file>
 
@@ -5679,7 +6083,11 @@
           <a:bodyPr/>
           <a:lstStyle/>
           <a:p>
-            <a:endParaRPr kumimoji="1" lang="zh-CN" altLang="en-US"/>
+            <a:r>
+              <a:rPr kumimoji="1" lang="en-US" altLang="zh-CN" dirty="0" smtClean="0"/>
+              <a:t>Share Extension</a:t>
+            </a:r>
+            <a:endParaRPr kumimoji="1" lang="zh-CN" altLang="en-US" dirty="0"/>
           </a:p>
         </p:txBody>
       </p:sp>
@@ -5693,25 +6101,94 @@
             <p:ph idx="1"/>
           </p:nvPr>
         </p:nvSpPr>
-        <p:spPr/>
-        <p:txBody>
-          <a:bodyPr/>
-          <a:lstStyle/>
-          <a:p>
-            <a:endParaRPr kumimoji="1" lang="zh-CN" altLang="en-US"/>
-          </a:p>
-        </p:txBody>
-      </p:sp>
+        <p:spPr>
+          <a:xfrm>
+            <a:off x="457200" y="1600201"/>
+            <a:ext cx="8229600" cy="2466621"/>
+          </a:xfrm>
+        </p:spPr>
+        <p:txBody>
+          <a:bodyPr>
+            <a:normAutofit lnSpcReduction="10000"/>
+          </a:bodyPr>
+          <a:lstStyle/>
+          <a:p>
+            <a:pPr marL="0" indent="0">
+              <a:buNone/>
+            </a:pPr>
+            <a:r>
+              <a:rPr kumimoji="1" lang="zh-CN" altLang="en-US" dirty="0" smtClean="0"/>
+              <a:t>分享插件，插件都必须要依赖主工程</a:t>
+            </a:r>
+            <a:endParaRPr kumimoji="1" lang="en-US" altLang="zh-CN" dirty="0" smtClean="0"/>
+          </a:p>
+          <a:p>
+            <a:r>
+              <a:rPr kumimoji="1" lang="en-US" altLang="zh-CN" dirty="0" err="1"/>
+              <a:t>com.apple.share</a:t>
+            </a:r>
+            <a:r>
+              <a:rPr kumimoji="1" lang="en-US" altLang="zh-CN" dirty="0"/>
+              <a:t>-services</a:t>
+            </a:r>
+          </a:p>
+          <a:p>
+            <a:r>
+              <a:rPr kumimoji="1" lang="en-US" altLang="zh-CN" dirty="0" err="1" smtClean="0"/>
+              <a:t>com.apple.widget</a:t>
+            </a:r>
+            <a:r>
+              <a:rPr kumimoji="1" lang="en-US" altLang="zh-CN" dirty="0"/>
+              <a:t>-</a:t>
+            </a:r>
+            <a:r>
+              <a:rPr kumimoji="1" lang="en-US" altLang="zh-CN" dirty="0" smtClean="0"/>
+              <a:t>extension</a:t>
+            </a:r>
+          </a:p>
+        </p:txBody>
+      </p:sp>
+      <p:pic>
+        <p:nvPicPr>
+          <p:cNvPr id="5" name="图片 4"/>
+          <p:cNvPicPr>
+            <a:picLocks noChangeAspect="1"/>
+          </p:cNvPicPr>
+          <p:nvPr/>
+        </p:nvPicPr>
+        <p:blipFill>
+          <a:blip r:embed="rId2"/>
+          <a:stretch>
+            <a:fillRect/>
+          </a:stretch>
+        </p:blipFill>
+        <p:spPr>
+          <a:xfrm>
+            <a:off x="457200" y="4066822"/>
+            <a:ext cx="8293100" cy="2565400"/>
+          </a:xfrm>
+          <a:prstGeom prst="rect">
+            <a:avLst/>
+          </a:prstGeom>
+        </p:spPr>
+      </p:pic>
     </p:spTree>
     <p:extLst>
       <p:ext uri="{BB962C8B-B14F-4D97-AF65-F5344CB8AC3E}">
-        <p14:creationId xmlns:p14="http://schemas.microsoft.com/office/powerpoint/2010/main" val="3860592575"/>
+        <p14:creationId xmlns:p14="http://schemas.microsoft.com/office/powerpoint/2010/main" val="3572198206"/>
       </p:ext>
     </p:extLst>
   </p:cSld>
   <p:clrMapOvr>
     <a:masterClrMapping/>
   </p:clrMapOvr>
+  <p:timing>
+    <p:tnLst>
+      <p:par>
+        <p:cTn xmlns:p14="http://schemas.microsoft.com/office/powerpoint/2010/main" id="1" dur="indefinite" restart="never" nodeType="tmRoot"/>
+      </p:par>
+    </p:tnLst>
+  </p:timing>
 </p:sld>
 </file>
 
@@ -5773,13 +6250,20 @@
     </p:spTree>
     <p:extLst>
       <p:ext uri="{BB962C8B-B14F-4D97-AF65-F5344CB8AC3E}">
-        <p14:creationId xmlns:p14="http://schemas.microsoft.com/office/powerpoint/2010/main" val="3572198206"/>
+        <p14:creationId xmlns:p14="http://schemas.microsoft.com/office/powerpoint/2010/main" val="3101229211"/>
       </p:ext>
     </p:extLst>
   </p:cSld>
   <p:clrMapOvr>
     <a:masterClrMapping/>
   </p:clrMapOvr>
+  <p:timing>
+    <p:tnLst>
+      <p:par>
+        <p:cTn xmlns:p14="http://schemas.microsoft.com/office/powerpoint/2010/main" id="1" dur="indefinite" restart="never" nodeType="tmRoot"/>
+      </p:par>
+    </p:tnLst>
+  </p:timing>
 </p:sld>
 </file>
 

--- a/ppt/演示文稿1.pptx
+++ b/ppt/演示文稿1.pptx
@@ -227,7 +227,7 @@
           <a:p>
             <a:fld id="{732C77F2-CD5F-9744-BB28-4F65C48D652D}" type="datetimeFigureOut">
               <a:rPr kumimoji="1" lang="zh-CN" altLang="en-US" smtClean="0"/>
-              <a:t>19/2/27</a:t>
+              <a:t>19/2/28</a:t>
             </a:fld>
             <a:endParaRPr kumimoji="1" lang="zh-CN" altLang="en-US"/>
           </a:p>
@@ -1326,7 +1326,7 @@
             <a:fld id="{8E36636D-D922-432D-A958-524484B5923D}" type="datetimeFigureOut">
               <a:rPr lang="en-US" smtClean="0"/>
               <a:pPr/>
-              <a:t>19/2/27</a:t>
+              <a:t>19/2/28</a:t>
             </a:fld>
             <a:endParaRPr lang="en-US"/>
           </a:p>
@@ -1493,7 +1493,7 @@
             <a:fld id="{8E36636D-D922-432D-A958-524484B5923D}" type="datetimeFigureOut">
               <a:rPr lang="en-US" smtClean="0"/>
               <a:pPr/>
-              <a:t>19/2/27</a:t>
+              <a:t>19/2/28</a:t>
             </a:fld>
             <a:endParaRPr lang="en-US"/>
           </a:p>
@@ -1670,7 +1670,7 @@
             <a:fld id="{8E36636D-D922-432D-A958-524484B5923D}" type="datetimeFigureOut">
               <a:rPr lang="en-US" smtClean="0"/>
               <a:pPr/>
-              <a:t>19/2/27</a:t>
+              <a:t>19/2/28</a:t>
             </a:fld>
             <a:endParaRPr lang="en-US"/>
           </a:p>
@@ -1837,7 +1837,7 @@
             <a:fld id="{8E36636D-D922-432D-A958-524484B5923D}" type="datetimeFigureOut">
               <a:rPr lang="en-US" smtClean="0"/>
               <a:pPr/>
-              <a:t>19/2/27</a:t>
+              <a:t>19/2/28</a:t>
             </a:fld>
             <a:endParaRPr lang="en-US"/>
           </a:p>
@@ -2078,7 +2078,7 @@
             <a:fld id="{8E36636D-D922-432D-A958-524484B5923D}" type="datetimeFigureOut">
               <a:rPr lang="en-US" smtClean="0"/>
               <a:pPr/>
-              <a:t>19/2/27</a:t>
+              <a:t>19/2/28</a:t>
             </a:fld>
             <a:endParaRPr lang="en-US"/>
           </a:p>
@@ -2363,7 +2363,7 @@
             <a:fld id="{8E36636D-D922-432D-A958-524484B5923D}" type="datetimeFigureOut">
               <a:rPr lang="en-US" smtClean="0"/>
               <a:pPr/>
-              <a:t>19/2/27</a:t>
+              <a:t>19/2/28</a:t>
             </a:fld>
             <a:endParaRPr lang="en-US"/>
           </a:p>
@@ -2782,7 +2782,7 @@
             <a:fld id="{8E36636D-D922-432D-A958-524484B5923D}" type="datetimeFigureOut">
               <a:rPr lang="en-US" smtClean="0"/>
               <a:pPr/>
-              <a:t>19/2/27</a:t>
+              <a:t>19/2/28</a:t>
             </a:fld>
             <a:endParaRPr lang="en-US"/>
           </a:p>
@@ -2897,7 +2897,7 @@
             <a:fld id="{8E36636D-D922-432D-A958-524484B5923D}" type="datetimeFigureOut">
               <a:rPr lang="en-US" smtClean="0"/>
               <a:pPr/>
-              <a:t>19/2/27</a:t>
+              <a:t>19/2/28</a:t>
             </a:fld>
             <a:endParaRPr lang="en-US"/>
           </a:p>
@@ -2989,7 +2989,7 @@
             <a:fld id="{8E36636D-D922-432D-A958-524484B5923D}" type="datetimeFigureOut">
               <a:rPr lang="en-US" smtClean="0"/>
               <a:pPr/>
-              <a:t>19/2/27</a:t>
+              <a:t>19/2/28</a:t>
             </a:fld>
             <a:endParaRPr lang="en-US"/>
           </a:p>
@@ -3270,7 +3270,7 @@
             <a:fld id="{8E36636D-D922-432D-A958-524484B5923D}" type="datetimeFigureOut">
               <a:rPr lang="en-US" smtClean="0"/>
               <a:pPr/>
-              <a:t>19/2/27</a:t>
+              <a:t>19/2/28</a:t>
             </a:fld>
             <a:endParaRPr lang="en-US"/>
           </a:p>
@@ -3531,7 +3531,7 @@
             <a:fld id="{8E36636D-D922-432D-A958-524484B5923D}" type="datetimeFigureOut">
               <a:rPr lang="en-US" smtClean="0"/>
               <a:pPr/>
-              <a:t>19/2/27</a:t>
+              <a:t>19/2/28</a:t>
             </a:fld>
             <a:endParaRPr lang="en-US"/>
           </a:p>
@@ -3741,7 +3741,7 @@
             <a:fld id="{8E36636D-D922-432D-A958-524484B5923D}" type="datetimeFigureOut">
               <a:rPr lang="en-US" smtClean="0"/>
               <a:pPr/>
-              <a:t>19/2/27</a:t>
+              <a:t>19/2/28</a:t>
             </a:fld>
             <a:endParaRPr lang="en-US"/>
           </a:p>
@@ -4733,11 +4733,15 @@
               <a:t>OC</a:t>
             </a:r>
             <a:r>
-              <a:rPr kumimoji="1" lang="zh-CN" altLang="en-US" dirty="0" smtClean="0"/>
-              <a:t>是否有某个类可以直接浏览</a:t>
-            </a:r>
-            <a:r>
-              <a:rPr kumimoji="1" lang="en-US" altLang="zh-CN" dirty="0" err="1"/>
+              <a:rPr kumimoji="1" lang="zh-CN" altLang="en-US" smtClean="0"/>
+              <a:t>是否有某个类可以直接</a:t>
+            </a:r>
+            <a:r>
+              <a:rPr kumimoji="1" lang="zh-CN" altLang="en-US" smtClean="0"/>
+              <a:t>查看</a:t>
+            </a:r>
+            <a:r>
+              <a:rPr kumimoji="1" lang="en-US" altLang="zh-CN" smtClean="0"/>
               <a:t>wrod</a:t>
             </a:r>
             <a:r>
@@ -4803,6 +4807,9 @@
                     <p:cTn id="3" fill="hold">
                       <p:stCondLst>
                         <p:cond delay="indefinite"/>
+                        <p:cond evt="onBegin" delay="0">
+                          <p:tn val="2"/>
+                        </p:cond>
                       </p:stCondLst>
                       <p:childTnLst>
                         <p:par>
@@ -4812,7 +4819,7 @@
                             </p:stCondLst>
                             <p:childTnLst>
                               <p:par>
-                                <p:cTn id="5" presetID="9" presetClass="entr" presetSubtype="0" fill="hold" grpId="0" nodeType="clickEffect">
+                                <p:cTn id="5" presetID="9" presetClass="entr" presetSubtype="0" fill="hold" grpId="0" nodeType="afterEffect">
                                   <p:stCondLst>
                                     <p:cond delay="0"/>
                                   </p:stCondLst>
@@ -5130,6 +5137,9 @@
                     <p:cTn id="3" fill="hold">
                       <p:stCondLst>
                         <p:cond delay="indefinite"/>
+                        <p:cond evt="onBegin" delay="0">
+                          <p:tn val="2"/>
+                        </p:cond>
                       </p:stCondLst>
                       <p:childTnLst>
                         <p:par>
@@ -5139,7 +5149,7 @@
                             </p:stCondLst>
                             <p:childTnLst>
                               <p:par>
-                                <p:cTn id="5" presetID="9" presetClass="entr" presetSubtype="0" fill="hold" grpId="0" nodeType="clickEffect">
+                                <p:cTn id="5" presetID="9" presetClass="entr" presetSubtype="0" fill="hold" grpId="0" nodeType="afterEffect">
                                   <p:stCondLst>
                                     <p:cond delay="0"/>
                                   </p:stCondLst>
@@ -5507,15 +5517,7 @@
             </a:r>
             <a:r>
               <a:rPr kumimoji="1" lang="zh-CN" altLang="en-US" sz="2200" dirty="0" smtClean="0"/>
-              <a:t>文件夹下的内容，就会展示在“</a:t>
-            </a:r>
-            <a:r>
-              <a:rPr kumimoji="1" lang="zh-CN" altLang="en-US" sz="2200" dirty="0" smtClean="0"/>
-              <a:t>文件</a:t>
-            </a:r>
-            <a:r>
-              <a:rPr kumimoji="1" lang="zh-CN" altLang="en-US" sz="2200" dirty="0" smtClean="0"/>
-              <a:t>”</a:t>
+              <a:t>文件夹下的内容，就会展示在“文件”</a:t>
             </a:r>
             <a:r>
               <a:rPr kumimoji="1" lang="en-US" altLang="zh-CN" sz="2200" dirty="0" smtClean="0"/>
@@ -5590,7 +5592,410 @@
   <p:timing>
     <p:tnLst>
       <p:par>
-        <p:cTn xmlns:p14="http://schemas.microsoft.com/office/powerpoint/2010/main" id="1" dur="indefinite" restart="never" nodeType="tmRoot"/>
+        <p:cTn xmlns:p14="http://schemas.microsoft.com/office/powerpoint/2010/main" id="1" dur="indefinite" restart="never" nodeType="tmRoot">
+          <p:childTnLst>
+            <p:seq concurrent="1" nextAc="seek">
+              <p:cTn id="2" dur="indefinite" nodeType="mainSeq">
+                <p:childTnLst>
+                  <p:par>
+                    <p:cTn id="3" fill="hold">
+                      <p:stCondLst>
+                        <p:cond delay="indefinite"/>
+                      </p:stCondLst>
+                      <p:childTnLst>
+                        <p:par>
+                          <p:cTn id="4" fill="hold">
+                            <p:stCondLst>
+                              <p:cond delay="0"/>
+                            </p:stCondLst>
+                            <p:childTnLst>
+                              <p:par>
+                                <p:cTn id="5" presetID="5" presetClass="entr" presetSubtype="10" fill="hold" nodeType="clickEffect">
+                                  <p:stCondLst>
+                                    <p:cond delay="0"/>
+                                  </p:stCondLst>
+                                  <p:childTnLst>
+                                    <p:set>
+                                      <p:cBhvr>
+                                        <p:cTn id="6" dur="1" fill="hold">
+                                          <p:stCondLst>
+                                            <p:cond delay="0"/>
+                                          </p:stCondLst>
+                                        </p:cTn>
+                                        <p:tgtEl>
+                                          <p:spTgt spid="2">
+                                            <p:txEl>
+                                              <p:pRg st="0" end="0"/>
+                                            </p:txEl>
+                                          </p:spTgt>
+                                        </p:tgtEl>
+                                        <p:attrNameLst>
+                                          <p:attrName>style.visibility</p:attrName>
+                                        </p:attrNameLst>
+                                      </p:cBhvr>
+                                      <p:to>
+                                        <p:strVal val="visible"/>
+                                      </p:to>
+                                    </p:set>
+                                    <p:animEffect transition="in" filter="checkerboard(across)">
+                                      <p:cBhvr>
+                                        <p:cTn id="7" dur="500"/>
+                                        <p:tgtEl>
+                                          <p:spTgt spid="2">
+                                            <p:txEl>
+                                              <p:pRg st="0" end="0"/>
+                                            </p:txEl>
+                                          </p:spTgt>
+                                        </p:tgtEl>
+                                      </p:cBhvr>
+                                    </p:animEffect>
+                                  </p:childTnLst>
+                                </p:cTn>
+                              </p:par>
+                              <p:par>
+                                <p:cTn id="8" presetID="5" presetClass="entr" presetSubtype="10" fill="hold" nodeType="withEffect">
+                                  <p:stCondLst>
+                                    <p:cond delay="0"/>
+                                  </p:stCondLst>
+                                  <p:childTnLst>
+                                    <p:set>
+                                      <p:cBhvr>
+                                        <p:cTn id="9" dur="1" fill="hold">
+                                          <p:stCondLst>
+                                            <p:cond delay="0"/>
+                                          </p:stCondLst>
+                                        </p:cTn>
+                                        <p:tgtEl>
+                                          <p:spTgt spid="2">
+                                            <p:txEl>
+                                              <p:pRg st="2" end="2"/>
+                                            </p:txEl>
+                                          </p:spTgt>
+                                        </p:tgtEl>
+                                        <p:attrNameLst>
+                                          <p:attrName>style.visibility</p:attrName>
+                                        </p:attrNameLst>
+                                      </p:cBhvr>
+                                      <p:to>
+                                        <p:strVal val="visible"/>
+                                      </p:to>
+                                    </p:set>
+                                    <p:animEffect transition="in" filter="checkerboard(across)">
+                                      <p:cBhvr>
+                                        <p:cTn id="10" dur="500"/>
+                                        <p:tgtEl>
+                                          <p:spTgt spid="2">
+                                            <p:txEl>
+                                              <p:pRg st="2" end="2"/>
+                                            </p:txEl>
+                                          </p:spTgt>
+                                        </p:tgtEl>
+                                      </p:cBhvr>
+                                    </p:animEffect>
+                                  </p:childTnLst>
+                                </p:cTn>
+                              </p:par>
+                              <p:par>
+                                <p:cTn id="11" presetID="5" presetClass="entr" presetSubtype="10" fill="hold" nodeType="withEffect">
+                                  <p:stCondLst>
+                                    <p:cond delay="0"/>
+                                  </p:stCondLst>
+                                  <p:childTnLst>
+                                    <p:set>
+                                      <p:cBhvr>
+                                        <p:cTn id="12" dur="1" fill="hold">
+                                          <p:stCondLst>
+                                            <p:cond delay="0"/>
+                                          </p:stCondLst>
+                                        </p:cTn>
+                                        <p:tgtEl>
+                                          <p:spTgt spid="2">
+                                            <p:txEl>
+                                              <p:pRg st="4" end="4"/>
+                                            </p:txEl>
+                                          </p:spTgt>
+                                        </p:tgtEl>
+                                        <p:attrNameLst>
+                                          <p:attrName>style.visibility</p:attrName>
+                                        </p:attrNameLst>
+                                      </p:cBhvr>
+                                      <p:to>
+                                        <p:strVal val="visible"/>
+                                      </p:to>
+                                    </p:set>
+                                    <p:animEffect transition="in" filter="checkerboard(across)">
+                                      <p:cBhvr>
+                                        <p:cTn id="13" dur="500"/>
+                                        <p:tgtEl>
+                                          <p:spTgt spid="2">
+                                            <p:txEl>
+                                              <p:pRg st="4" end="4"/>
+                                            </p:txEl>
+                                          </p:spTgt>
+                                        </p:tgtEl>
+                                      </p:cBhvr>
+                                    </p:animEffect>
+                                  </p:childTnLst>
+                                </p:cTn>
+                              </p:par>
+                              <p:par>
+                                <p:cTn id="14" presetID="5" presetClass="entr" presetSubtype="10" fill="hold" nodeType="withEffect">
+                                  <p:stCondLst>
+                                    <p:cond delay="0"/>
+                                  </p:stCondLst>
+                                  <p:childTnLst>
+                                    <p:set>
+                                      <p:cBhvr>
+                                        <p:cTn id="15" dur="1" fill="hold">
+                                          <p:stCondLst>
+                                            <p:cond delay="0"/>
+                                          </p:stCondLst>
+                                        </p:cTn>
+                                        <p:tgtEl>
+                                          <p:spTgt spid="2">
+                                            <p:txEl>
+                                              <p:pRg st="6" end="6"/>
+                                            </p:txEl>
+                                          </p:spTgt>
+                                        </p:tgtEl>
+                                        <p:attrNameLst>
+                                          <p:attrName>style.visibility</p:attrName>
+                                        </p:attrNameLst>
+                                      </p:cBhvr>
+                                      <p:to>
+                                        <p:strVal val="visible"/>
+                                      </p:to>
+                                    </p:set>
+                                    <p:animEffect transition="in" filter="checkerboard(across)">
+                                      <p:cBhvr>
+                                        <p:cTn id="16" dur="500"/>
+                                        <p:tgtEl>
+                                          <p:spTgt spid="2">
+                                            <p:txEl>
+                                              <p:pRg st="6" end="6"/>
+                                            </p:txEl>
+                                          </p:spTgt>
+                                        </p:tgtEl>
+                                      </p:cBhvr>
+                                    </p:animEffect>
+                                  </p:childTnLst>
+                                </p:cTn>
+                              </p:par>
+                            </p:childTnLst>
+                          </p:cTn>
+                        </p:par>
+                      </p:childTnLst>
+                    </p:cTn>
+                  </p:par>
+                  <p:par>
+                    <p:cTn id="17" fill="hold">
+                      <p:stCondLst>
+                        <p:cond delay="indefinite"/>
+                      </p:stCondLst>
+                      <p:childTnLst>
+                        <p:par>
+                          <p:cTn id="18" fill="hold">
+                            <p:stCondLst>
+                              <p:cond delay="0"/>
+                            </p:stCondLst>
+                            <p:childTnLst>
+                              <p:par>
+                                <p:cTn id="19" presetID="5" presetClass="entr" presetSubtype="10" fill="hold" nodeType="clickEffect">
+                                  <p:stCondLst>
+                                    <p:cond delay="0"/>
+                                  </p:stCondLst>
+                                  <p:childTnLst>
+                                    <p:set>
+                                      <p:cBhvr>
+                                        <p:cTn id="20" dur="1" fill="hold">
+                                          <p:stCondLst>
+                                            <p:cond delay="0"/>
+                                          </p:stCondLst>
+                                        </p:cTn>
+                                        <p:tgtEl>
+                                          <p:spTgt spid="2">
+                                            <p:txEl>
+                                              <p:pRg st="9" end="9"/>
+                                            </p:txEl>
+                                          </p:spTgt>
+                                        </p:tgtEl>
+                                        <p:attrNameLst>
+                                          <p:attrName>style.visibility</p:attrName>
+                                        </p:attrNameLst>
+                                      </p:cBhvr>
+                                      <p:to>
+                                        <p:strVal val="visible"/>
+                                      </p:to>
+                                    </p:set>
+                                    <p:animEffect transition="in" filter="checkerboard(across)">
+                                      <p:cBhvr>
+                                        <p:cTn id="21" dur="500"/>
+                                        <p:tgtEl>
+                                          <p:spTgt spid="2">
+                                            <p:txEl>
+                                              <p:pRg st="9" end="9"/>
+                                            </p:txEl>
+                                          </p:spTgt>
+                                        </p:tgtEl>
+                                      </p:cBhvr>
+                                    </p:animEffect>
+                                  </p:childTnLst>
+                                </p:cTn>
+                              </p:par>
+                              <p:par>
+                                <p:cTn id="22" presetID="5" presetClass="entr" presetSubtype="10" fill="hold" nodeType="withEffect">
+                                  <p:stCondLst>
+                                    <p:cond delay="0"/>
+                                  </p:stCondLst>
+                                  <p:childTnLst>
+                                    <p:set>
+                                      <p:cBhvr>
+                                        <p:cTn id="23" dur="1" fill="hold">
+                                          <p:stCondLst>
+                                            <p:cond delay="0"/>
+                                          </p:stCondLst>
+                                        </p:cTn>
+                                        <p:tgtEl>
+                                          <p:spTgt spid="2">
+                                            <p:txEl>
+                                              <p:pRg st="11" end="11"/>
+                                            </p:txEl>
+                                          </p:spTgt>
+                                        </p:tgtEl>
+                                        <p:attrNameLst>
+                                          <p:attrName>style.visibility</p:attrName>
+                                        </p:attrNameLst>
+                                      </p:cBhvr>
+                                      <p:to>
+                                        <p:strVal val="visible"/>
+                                      </p:to>
+                                    </p:set>
+                                    <p:animEffect transition="in" filter="checkerboard(across)">
+                                      <p:cBhvr>
+                                        <p:cTn id="24" dur="500"/>
+                                        <p:tgtEl>
+                                          <p:spTgt spid="2">
+                                            <p:txEl>
+                                              <p:pRg st="11" end="11"/>
+                                            </p:txEl>
+                                          </p:spTgt>
+                                        </p:tgtEl>
+                                      </p:cBhvr>
+                                    </p:animEffect>
+                                  </p:childTnLst>
+                                </p:cTn>
+                              </p:par>
+                              <p:par>
+                                <p:cTn id="25" presetID="5" presetClass="entr" presetSubtype="10" fill="hold" nodeType="withEffect">
+                                  <p:stCondLst>
+                                    <p:cond delay="0"/>
+                                  </p:stCondLst>
+                                  <p:childTnLst>
+                                    <p:set>
+                                      <p:cBhvr>
+                                        <p:cTn id="26" dur="1" fill="hold">
+                                          <p:stCondLst>
+                                            <p:cond delay="0"/>
+                                          </p:stCondLst>
+                                        </p:cTn>
+                                        <p:tgtEl>
+                                          <p:spTgt spid="2">
+                                            <p:txEl>
+                                              <p:pRg st="13" end="13"/>
+                                            </p:txEl>
+                                          </p:spTgt>
+                                        </p:tgtEl>
+                                        <p:attrNameLst>
+                                          <p:attrName>style.visibility</p:attrName>
+                                        </p:attrNameLst>
+                                      </p:cBhvr>
+                                      <p:to>
+                                        <p:strVal val="visible"/>
+                                      </p:to>
+                                    </p:set>
+                                    <p:animEffect transition="in" filter="checkerboard(across)">
+                                      <p:cBhvr>
+                                        <p:cTn id="27" dur="500"/>
+                                        <p:tgtEl>
+                                          <p:spTgt spid="2">
+                                            <p:txEl>
+                                              <p:pRg st="13" end="13"/>
+                                            </p:txEl>
+                                          </p:spTgt>
+                                        </p:tgtEl>
+                                      </p:cBhvr>
+                                    </p:animEffect>
+                                  </p:childTnLst>
+                                </p:cTn>
+                              </p:par>
+                              <p:par>
+                                <p:cTn id="28" presetID="5" presetClass="entr" presetSubtype="10" fill="hold" nodeType="withEffect">
+                                  <p:stCondLst>
+                                    <p:cond delay="0"/>
+                                  </p:stCondLst>
+                                  <p:childTnLst>
+                                    <p:set>
+                                      <p:cBhvr>
+                                        <p:cTn id="29" dur="1" fill="hold">
+                                          <p:stCondLst>
+                                            <p:cond delay="0"/>
+                                          </p:stCondLst>
+                                        </p:cTn>
+                                        <p:tgtEl>
+                                          <p:spTgt spid="2">
+                                            <p:txEl>
+                                              <p:pRg st="14" end="14"/>
+                                            </p:txEl>
+                                          </p:spTgt>
+                                        </p:tgtEl>
+                                        <p:attrNameLst>
+                                          <p:attrName>style.visibility</p:attrName>
+                                        </p:attrNameLst>
+                                      </p:cBhvr>
+                                      <p:to>
+                                        <p:strVal val="visible"/>
+                                      </p:to>
+                                    </p:set>
+                                    <p:animEffect transition="in" filter="checkerboard(across)">
+                                      <p:cBhvr>
+                                        <p:cTn id="30" dur="500"/>
+                                        <p:tgtEl>
+                                          <p:spTgt spid="2">
+                                            <p:txEl>
+                                              <p:pRg st="14" end="14"/>
+                                            </p:txEl>
+                                          </p:spTgt>
+                                        </p:tgtEl>
+                                      </p:cBhvr>
+                                    </p:animEffect>
+                                  </p:childTnLst>
+                                </p:cTn>
+                              </p:par>
+                            </p:childTnLst>
+                          </p:cTn>
+                        </p:par>
+                      </p:childTnLst>
+                    </p:cTn>
+                  </p:par>
+                </p:childTnLst>
+              </p:cTn>
+              <p:prevCondLst>
+                <p:cond evt="onPrev" delay="0">
+                  <p:tgtEl>
+                    <p:sldTgt/>
+                  </p:tgtEl>
+                </p:cond>
+              </p:prevCondLst>
+              <p:nextCondLst>
+                <p:cond evt="onNext" delay="0">
+                  <p:tgtEl>
+                    <p:sldTgt/>
+                  </p:tgtEl>
+                </p:cond>
+              </p:nextCondLst>
+            </p:seq>
+          </p:childTnLst>
+        </p:cTn>
       </p:par>
     </p:tnLst>
   </p:timing>
@@ -5874,7 +6279,180 @@
   <p:timing>
     <p:tnLst>
       <p:par>
-        <p:cTn xmlns:p14="http://schemas.microsoft.com/office/powerpoint/2010/main" id="1" dur="indefinite" restart="never" nodeType="tmRoot"/>
+        <p:cTn xmlns:p14="http://schemas.microsoft.com/office/powerpoint/2010/main" id="1" dur="indefinite" restart="never" nodeType="tmRoot">
+          <p:childTnLst>
+            <p:seq concurrent="1" nextAc="seek">
+              <p:cTn id="2" dur="indefinite" nodeType="mainSeq">
+                <p:childTnLst>
+                  <p:par>
+                    <p:cTn id="3" fill="hold">
+                      <p:stCondLst>
+                        <p:cond delay="indefinite"/>
+                        <p:cond evt="onBegin" delay="0">
+                          <p:tn val="2"/>
+                        </p:cond>
+                      </p:stCondLst>
+                      <p:childTnLst>
+                        <p:par>
+                          <p:cTn id="4" fill="hold">
+                            <p:stCondLst>
+                              <p:cond delay="0"/>
+                            </p:stCondLst>
+                            <p:childTnLst>
+                              <p:par>
+                                <p:cTn id="5" presetID="5" presetClass="entr" presetSubtype="10" fill="hold" nodeType="afterEffect">
+                                  <p:stCondLst>
+                                    <p:cond delay="0"/>
+                                  </p:stCondLst>
+                                  <p:childTnLst>
+                                    <p:set>
+                                      <p:cBhvr>
+                                        <p:cTn id="6" dur="1" fill="hold">
+                                          <p:stCondLst>
+                                            <p:cond delay="0"/>
+                                          </p:stCondLst>
+                                        </p:cTn>
+                                        <p:tgtEl>
+                                          <p:spTgt spid="3">
+                                            <p:txEl>
+                                              <p:pRg st="0" end="0"/>
+                                            </p:txEl>
+                                          </p:spTgt>
+                                        </p:tgtEl>
+                                        <p:attrNameLst>
+                                          <p:attrName>style.visibility</p:attrName>
+                                        </p:attrNameLst>
+                                      </p:cBhvr>
+                                      <p:to>
+                                        <p:strVal val="visible"/>
+                                      </p:to>
+                                    </p:set>
+                                    <p:animEffect transition="in" filter="checkerboard(across)">
+                                      <p:cBhvr>
+                                        <p:cTn id="7" dur="500"/>
+                                        <p:tgtEl>
+                                          <p:spTgt spid="3">
+                                            <p:txEl>
+                                              <p:pRg st="0" end="0"/>
+                                            </p:txEl>
+                                          </p:spTgt>
+                                        </p:tgtEl>
+                                      </p:cBhvr>
+                                    </p:animEffect>
+                                  </p:childTnLst>
+                                </p:cTn>
+                              </p:par>
+                              <p:par>
+                                <p:cTn id="8" presetID="5" presetClass="entr" presetSubtype="10" fill="hold" nodeType="withEffect">
+                                  <p:stCondLst>
+                                    <p:cond delay="0"/>
+                                  </p:stCondLst>
+                                  <p:childTnLst>
+                                    <p:set>
+                                      <p:cBhvr>
+                                        <p:cTn id="9" dur="1" fill="hold">
+                                          <p:stCondLst>
+                                            <p:cond delay="0"/>
+                                          </p:stCondLst>
+                                        </p:cTn>
+                                        <p:tgtEl>
+                                          <p:spTgt spid="3">
+                                            <p:txEl>
+                                              <p:pRg st="1" end="1"/>
+                                            </p:txEl>
+                                          </p:spTgt>
+                                        </p:tgtEl>
+                                        <p:attrNameLst>
+                                          <p:attrName>style.visibility</p:attrName>
+                                        </p:attrNameLst>
+                                      </p:cBhvr>
+                                      <p:to>
+                                        <p:strVal val="visible"/>
+                                      </p:to>
+                                    </p:set>
+                                    <p:animEffect transition="in" filter="checkerboard(across)">
+                                      <p:cBhvr>
+                                        <p:cTn id="10" dur="500"/>
+                                        <p:tgtEl>
+                                          <p:spTgt spid="3">
+                                            <p:txEl>
+                                              <p:pRg st="1" end="1"/>
+                                            </p:txEl>
+                                          </p:spTgt>
+                                        </p:tgtEl>
+                                      </p:cBhvr>
+                                    </p:animEffect>
+                                  </p:childTnLst>
+                                </p:cTn>
+                              </p:par>
+                              <p:par>
+                                <p:cTn id="11" presetID="5" presetClass="entr" presetSubtype="10" fill="hold" nodeType="withEffect">
+                                  <p:stCondLst>
+                                    <p:cond delay="0"/>
+                                  </p:stCondLst>
+                                  <p:childTnLst>
+                                    <p:set>
+                                      <p:cBhvr>
+                                        <p:cTn id="12" dur="1" fill="hold">
+                                          <p:stCondLst>
+                                            <p:cond delay="0"/>
+                                          </p:stCondLst>
+                                        </p:cTn>
+                                        <p:tgtEl>
+                                          <p:spTgt spid="3">
+                                            <p:txEl>
+                                              <p:pRg st="3" end="3"/>
+                                            </p:txEl>
+                                          </p:spTgt>
+                                        </p:tgtEl>
+                                        <p:attrNameLst>
+                                          <p:attrName>style.visibility</p:attrName>
+                                        </p:attrNameLst>
+                                      </p:cBhvr>
+                                      <p:to>
+                                        <p:strVal val="visible"/>
+                                      </p:to>
+                                    </p:set>
+                                    <p:animEffect transition="in" filter="checkerboard(across)">
+                                      <p:cBhvr>
+                                        <p:cTn id="13" dur="500"/>
+                                        <p:tgtEl>
+                                          <p:spTgt spid="3">
+                                            <p:txEl>
+                                              <p:pRg st="3" end="3"/>
+                                            </p:txEl>
+                                          </p:spTgt>
+                                        </p:tgtEl>
+                                      </p:cBhvr>
+                                    </p:animEffect>
+                                  </p:childTnLst>
+                                </p:cTn>
+                              </p:par>
+                            </p:childTnLst>
+                          </p:cTn>
+                        </p:par>
+                      </p:childTnLst>
+                    </p:cTn>
+                  </p:par>
+                </p:childTnLst>
+              </p:cTn>
+              <p:prevCondLst>
+                <p:cond evt="onPrev" delay="0">
+                  <p:tgtEl>
+                    <p:sldTgt/>
+                  </p:tgtEl>
+                </p:cond>
+              </p:prevCondLst>
+              <p:nextCondLst>
+                <p:cond evt="onNext" delay="0">
+                  <p:tgtEl>
+                    <p:sldTgt/>
+                  </p:tgtEl>
+                </p:cond>
+              </p:nextCondLst>
+            </p:seq>
+          </p:childTnLst>
+        </p:cTn>
       </p:par>
     </p:tnLst>
   </p:timing>
@@ -6044,7 +6622,83 @@
   <p:timing>
     <p:tnLst>
       <p:par>
-        <p:cTn xmlns:p14="http://schemas.microsoft.com/office/powerpoint/2010/main" id="1" dur="indefinite" restart="never" nodeType="tmRoot"/>
+        <p:cTn xmlns:p14="http://schemas.microsoft.com/office/powerpoint/2010/main" id="1" dur="indefinite" restart="never" nodeType="tmRoot">
+          <p:childTnLst>
+            <p:seq concurrent="1" nextAc="seek">
+              <p:cTn id="2" dur="indefinite" nodeType="mainSeq">
+                <p:childTnLst>
+                  <p:par>
+                    <p:cTn id="3" fill="hold">
+                      <p:stCondLst>
+                        <p:cond delay="indefinite"/>
+                      </p:stCondLst>
+                      <p:childTnLst>
+                        <p:par>
+                          <p:cTn id="4" fill="hold">
+                            <p:stCondLst>
+                              <p:cond delay="0"/>
+                            </p:stCondLst>
+                            <p:childTnLst>
+                              <p:par>
+                                <p:cTn id="5" presetID="9" presetClass="entr" presetSubtype="0" fill="hold" nodeType="clickEffect">
+                                  <p:stCondLst>
+                                    <p:cond delay="0"/>
+                                  </p:stCondLst>
+                                  <p:childTnLst>
+                                    <p:set>
+                                      <p:cBhvr>
+                                        <p:cTn id="6" dur="1" fill="hold">
+                                          <p:stCondLst>
+                                            <p:cond delay="0"/>
+                                          </p:stCondLst>
+                                        </p:cTn>
+                                        <p:tgtEl>
+                                          <p:spTgt spid="4"/>
+                                        </p:tgtEl>
+                                        <p:attrNameLst>
+                                          <p:attrName>style.visibility</p:attrName>
+                                        </p:attrNameLst>
+                                      </p:cBhvr>
+                                      <p:to>
+                                        <p:strVal val="visible"/>
+                                      </p:to>
+                                    </p:set>
+                                    <p:animEffect transition="in" filter="dissolve">
+                                      <p:cBhvr>
+                                        <p:cTn id="7" dur="500"/>
+                                        <p:tgtEl>
+                                          <p:spTgt spid="4"/>
+                                        </p:tgtEl>
+                                      </p:cBhvr>
+                                    </p:animEffect>
+                                  </p:childTnLst>
+                                </p:cTn>
+                              </p:par>
+                            </p:childTnLst>
+                          </p:cTn>
+                        </p:par>
+                      </p:childTnLst>
+                    </p:cTn>
+                  </p:par>
+                </p:childTnLst>
+              </p:cTn>
+              <p:prevCondLst>
+                <p:cond evt="onPrev" delay="0">
+                  <p:tgtEl>
+                    <p:sldTgt/>
+                  </p:tgtEl>
+                </p:cond>
+              </p:prevCondLst>
+              <p:nextCondLst>
+                <p:cond evt="onNext" delay="0">
+                  <p:tgtEl>
+                    <p:sldTgt/>
+                  </p:tgtEl>
+                </p:cond>
+              </p:nextCondLst>
+            </p:seq>
+          </p:childTnLst>
+        </p:cTn>
       </p:par>
     </p:tnLst>
   </p:timing>
@@ -6221,29 +6875,35 @@
         </p:nvSpPr>
         <p:spPr/>
         <p:txBody>
+          <a:bodyPr>
+            <a:normAutofit/>
+          </a:bodyPr>
+          <a:lstStyle/>
+          <a:p>
+            <a:r>
+              <a:rPr kumimoji="1" lang="en-US" altLang="zh-CN" dirty="0" smtClean="0"/>
+              <a:t>APP Group </a:t>
+            </a:r>
+            <a:endParaRPr kumimoji="1" lang="zh-CN" altLang="en-US" dirty="0"/>
+          </a:p>
+        </p:txBody>
+      </p:sp>
+      <p:sp>
+        <p:nvSpPr>
+          <p:cNvPr id="3" name="内容占位符 2"/>
+          <p:cNvSpPr>
+            <a:spLocks noGrp="1"/>
+          </p:cNvSpPr>
+          <p:nvPr>
+            <p:ph idx="1"/>
+          </p:nvPr>
+        </p:nvSpPr>
+        <p:spPr/>
+        <p:txBody>
           <a:bodyPr/>
           <a:lstStyle/>
           <a:p>
-            <a:endParaRPr kumimoji="1" lang="zh-CN" altLang="en-US"/>
-          </a:p>
-        </p:txBody>
-      </p:sp>
-      <p:sp>
-        <p:nvSpPr>
-          <p:cNvPr id="3" name="内容占位符 2"/>
-          <p:cNvSpPr>
-            <a:spLocks noGrp="1"/>
-          </p:cNvSpPr>
-          <p:nvPr>
-            <p:ph idx="1"/>
-          </p:nvPr>
-        </p:nvSpPr>
-        <p:spPr/>
-        <p:txBody>
-          <a:bodyPr/>
-          <a:lstStyle/>
-          <a:p>
-            <a:endParaRPr kumimoji="1" lang="zh-CN" altLang="en-US"/>
+            <a:endParaRPr kumimoji="1" lang="zh-CN" altLang="en-US" dirty="0"/>
           </a:p>
         </p:txBody>
       </p:sp>

--- a/ppt/演示文稿1.pptx
+++ b/ppt/演示文稿1.pptx
@@ -1131,6 +1131,90 @@
     <p:extLst>
       <p:ext uri="{BB962C8B-B14F-4D97-AF65-F5344CB8AC3E}">
         <p14:creationId xmlns:p14="http://schemas.microsoft.com/office/powerpoint/2010/main" val="2527772553"/>
+      </p:ext>
+    </p:extLst>
+  </p:cSld>
+  <p:clrMapOvr>
+    <a:masterClrMapping/>
+  </p:clrMapOvr>
+</p:notes>
+</file>
+
+<file path=ppt/notesSlides/notesSlide7.xml><?xml version="1.0" encoding="utf-8"?>
+<p:notes xmlns:a="http://schemas.openxmlformats.org/drawingml/2006/main" xmlns:r="http://schemas.openxmlformats.org/officeDocument/2006/relationships" xmlns:p="http://schemas.openxmlformats.org/presentationml/2006/main">
+  <p:cSld>
+    <p:spTree>
+      <p:nvGrpSpPr>
+        <p:cNvPr id="1" name=""/>
+        <p:cNvGrpSpPr/>
+        <p:nvPr/>
+      </p:nvGrpSpPr>
+      <p:grpSpPr>
+        <a:xfrm>
+          <a:off x="0" y="0"/>
+          <a:ext cx="0" cy="0"/>
+          <a:chOff x="0" y="0"/>
+          <a:chExt cx="0" cy="0"/>
+        </a:xfrm>
+      </p:grpSpPr>
+      <p:sp>
+        <p:nvSpPr>
+          <p:cNvPr id="2" name="幻灯片图像占位符 1"/>
+          <p:cNvSpPr>
+            <a:spLocks noGrp="1" noRot="1" noChangeAspect="1"/>
+          </p:cNvSpPr>
+          <p:nvPr>
+            <p:ph type="sldImg"/>
+          </p:nvPr>
+        </p:nvSpPr>
+        <p:spPr/>
+      </p:sp>
+      <p:sp>
+        <p:nvSpPr>
+          <p:cNvPr id="3" name="备注占位符 2"/>
+          <p:cNvSpPr>
+            <a:spLocks noGrp="1"/>
+          </p:cNvSpPr>
+          <p:nvPr>
+            <p:ph type="body" idx="1"/>
+          </p:nvPr>
+        </p:nvSpPr>
+        <p:spPr/>
+        <p:txBody>
+          <a:bodyPr/>
+          <a:lstStyle/>
+          <a:p>
+            <a:endParaRPr kumimoji="1" lang="zh-CN" altLang="en-US" dirty="0"/>
+          </a:p>
+        </p:txBody>
+      </p:sp>
+      <p:sp>
+        <p:nvSpPr>
+          <p:cNvPr id="4" name="幻灯片编号占位符 3"/>
+          <p:cNvSpPr>
+            <a:spLocks noGrp="1"/>
+          </p:cNvSpPr>
+          <p:nvPr>
+            <p:ph type="sldNum" sz="quarter" idx="10"/>
+          </p:nvPr>
+        </p:nvSpPr>
+        <p:spPr/>
+        <p:txBody>
+          <a:bodyPr/>
+          <a:lstStyle/>
+          <a:p>
+            <a:fld id="{2071BAD0-DF65-8C43-8B37-1CB77F2A36D6}" type="slidenum">
+              <a:rPr kumimoji="1" lang="zh-CN" altLang="en-US" smtClean="0"/>
+              <a:t>9</a:t>
+            </a:fld>
+            <a:endParaRPr kumimoji="1" lang="zh-CN" altLang="en-US"/>
+          </a:p>
+        </p:txBody>
+      </p:sp>
+    </p:spTree>
+    <p:extLst>
+      <p:ext uri="{BB962C8B-B14F-4D97-AF65-F5344CB8AC3E}">
+        <p14:creationId xmlns:p14="http://schemas.microsoft.com/office/powerpoint/2010/main" val="1518330571"/>
       </p:ext>
     </p:extLst>
   </p:cSld>
@@ -4733,15 +4817,15 @@
               <a:t>OC</a:t>
             </a:r>
             <a:r>
-              <a:rPr kumimoji="1" lang="zh-CN" altLang="en-US" smtClean="0"/>
+              <a:rPr kumimoji="1" lang="zh-CN" altLang="en-US" dirty="0" smtClean="0"/>
               <a:t>是否有某个类可以直接</a:t>
             </a:r>
             <a:r>
-              <a:rPr kumimoji="1" lang="zh-CN" altLang="en-US" smtClean="0"/>
+              <a:rPr kumimoji="1" lang="zh-CN" altLang="en-US" dirty="0" smtClean="0"/>
               <a:t>查看</a:t>
             </a:r>
             <a:r>
-              <a:rPr kumimoji="1" lang="en-US" altLang="zh-CN" smtClean="0"/>
+              <a:rPr kumimoji="1" lang="en-US" altLang="zh-CN" dirty="0" err="1" smtClean="0"/>
               <a:t>wrod</a:t>
             </a:r>
             <a:r>
@@ -6898,11 +6982,180 @@
             <p:ph idx="1"/>
           </p:nvPr>
         </p:nvSpPr>
-        <p:spPr/>
-        <p:txBody>
-          <a:bodyPr/>
-          <a:lstStyle/>
-          <a:p>
+        <p:spPr>
+          <a:xfrm>
+            <a:off x="457200" y="1600200"/>
+            <a:ext cx="8229600" cy="5088467"/>
+          </a:xfrm>
+        </p:spPr>
+        <p:txBody>
+          <a:bodyPr>
+            <a:normAutofit fontScale="70000" lnSpcReduction="20000"/>
+          </a:bodyPr>
+          <a:lstStyle/>
+          <a:p>
+            <a:pPr marL="0" indent="0">
+              <a:buNone/>
+            </a:pPr>
+            <a:endParaRPr kumimoji="1" lang="en-US" altLang="zh-CN" dirty="0" smtClean="0"/>
+          </a:p>
+          <a:p>
+            <a:pPr marL="0" indent="0">
+              <a:buNone/>
+            </a:pPr>
+            <a:r>
+              <a:rPr kumimoji="1" lang="zh-CN" altLang="en-US" dirty="0" smtClean="0"/>
+              <a:t>需要在苹果开发者账号中注册</a:t>
+            </a:r>
+            <a:r>
+              <a:rPr kumimoji="1" lang="en-US" altLang="zh-CN" dirty="0" err="1" smtClean="0"/>
+              <a:t>groupId</a:t>
+            </a:r>
+            <a:r>
+              <a:rPr kumimoji="1" lang="en-US" altLang="zh-CN" dirty="0" smtClean="0"/>
+              <a:t>, </a:t>
+            </a:r>
+            <a:r>
+              <a:rPr kumimoji="1" lang="zh-CN" altLang="en-US" dirty="0" smtClean="0"/>
+              <a:t>主项目和插件都需要开启</a:t>
+            </a:r>
+            <a:r>
+              <a:rPr kumimoji="1" lang="en-US" altLang="zh-CN" dirty="0" smtClean="0"/>
+              <a:t>group</a:t>
+            </a:r>
+            <a:r>
+              <a:rPr kumimoji="1" lang="zh-CN" altLang="en-US" dirty="0" smtClean="0"/>
+              <a:t>权限，并配置</a:t>
+            </a:r>
+            <a:r>
+              <a:rPr kumimoji="1" lang="en-US" altLang="zh-CN" dirty="0" err="1" smtClean="0"/>
+              <a:t>groupId</a:t>
+            </a:r>
+            <a:endParaRPr kumimoji="1" lang="en-US" altLang="zh-CN" dirty="0" smtClean="0"/>
+          </a:p>
+          <a:p>
+            <a:pPr marL="0" indent="0">
+              <a:buNone/>
+            </a:pPr>
+            <a:endParaRPr kumimoji="1" lang="en-US" altLang="zh-CN" dirty="0"/>
+          </a:p>
+          <a:p>
+            <a:pPr marL="0" indent="0">
+              <a:buNone/>
+            </a:pPr>
+            <a:r>
+              <a:rPr lang="en-US" altLang="zh-CN" dirty="0" err="1"/>
+              <a:t>NSUserDefaults</a:t>
+            </a:r>
+            <a:r>
+              <a:rPr lang="en-US" altLang="zh-CN" dirty="0"/>
+              <a:t> *</a:t>
+            </a:r>
+            <a:r>
+              <a:rPr lang="en-US" altLang="zh-CN" dirty="0" err="1"/>
+              <a:t>sharedDefaults</a:t>
+            </a:r>
+            <a:r>
+              <a:rPr lang="en-US" altLang="zh-CN" dirty="0"/>
+              <a:t> = [[</a:t>
+            </a:r>
+            <a:r>
+              <a:rPr lang="en-US" altLang="zh-CN" dirty="0" err="1"/>
+              <a:t>NSUserDefaults</a:t>
+            </a:r>
+            <a:r>
+              <a:rPr lang="en-US" altLang="zh-CN" dirty="0"/>
+              <a:t> </a:t>
+            </a:r>
+            <a:r>
+              <a:rPr lang="en-US" altLang="zh-CN" dirty="0" err="1"/>
+              <a:t>alloc</a:t>
+            </a:r>
+            <a:r>
+              <a:rPr lang="en-US" altLang="zh-CN" dirty="0"/>
+              <a:t>] </a:t>
+            </a:r>
+            <a:r>
+              <a:rPr lang="en-US" altLang="zh-CN" dirty="0" err="1"/>
+              <a:t>initWithSuiteName</a:t>
+            </a:r>
+            <a:r>
+              <a:rPr lang="en-US" altLang="zh-CN" dirty="0" err="1" smtClean="0"/>
+              <a:t>:</a:t>
+            </a:r>
+            <a:r>
+              <a:rPr lang="en-US" altLang="zh-CN" dirty="0" err="1" smtClean="0"/>
+              <a:t>groupId</a:t>
+            </a:r>
+            <a:r>
+              <a:rPr lang="en-US" altLang="zh-CN" dirty="0" smtClean="0"/>
+              <a:t>];</a:t>
+            </a:r>
+          </a:p>
+          <a:p>
+            <a:pPr marL="0" indent="0">
+              <a:buNone/>
+            </a:pPr>
+            <a:endParaRPr lang="en-US" altLang="zh-CN" dirty="0" smtClean="0"/>
+          </a:p>
+          <a:p>
+            <a:pPr marL="0" indent="0">
+              <a:buNone/>
+            </a:pPr>
+            <a:r>
+              <a:rPr lang="en-US" altLang="zh-CN" dirty="0"/>
+              <a:t>NSURL *</a:t>
+            </a:r>
+            <a:r>
+              <a:rPr lang="en-US" altLang="zh-CN" dirty="0" err="1"/>
+              <a:t>url</a:t>
+            </a:r>
+            <a:r>
+              <a:rPr lang="en-US" altLang="zh-CN" dirty="0"/>
+              <a:t> = [[</a:t>
+            </a:r>
+            <a:r>
+              <a:rPr lang="en-US" altLang="zh-CN" dirty="0" err="1"/>
+              <a:t>NSFileManager</a:t>
+            </a:r>
+            <a:r>
+              <a:rPr lang="en-US" altLang="zh-CN" dirty="0"/>
+              <a:t> </a:t>
+            </a:r>
+            <a:r>
+              <a:rPr lang="en-US" altLang="zh-CN" dirty="0" err="1"/>
+              <a:t>defaultManager</a:t>
+            </a:r>
+            <a:r>
+              <a:rPr lang="en-US" altLang="zh-CN" dirty="0"/>
+              <a:t>] </a:t>
+            </a:r>
+            <a:r>
+              <a:rPr lang="en-US" altLang="zh-CN" dirty="0" err="1"/>
+              <a:t>containerURLForSecurityApplicationGroupIdentifier</a:t>
+            </a:r>
+            <a:r>
+              <a:rPr lang="en-US" altLang="zh-CN" dirty="0" err="1" smtClean="0"/>
+              <a:t>:</a:t>
+            </a:r>
+            <a:r>
+              <a:rPr lang="en-US" altLang="zh-CN" dirty="0" err="1"/>
+              <a:t>groupId</a:t>
+            </a:r>
+            <a:r>
+              <a:rPr lang="en-US" altLang="zh-CN" dirty="0" smtClean="0"/>
+              <a:t>]</a:t>
+            </a:r>
+            <a:r>
+              <a:rPr lang="en-US" altLang="zh-CN" dirty="0"/>
+              <a:t>;</a:t>
+            </a:r>
+            <a:endParaRPr kumimoji="1" lang="en-US" altLang="zh-CN" dirty="0" smtClean="0"/>
+          </a:p>
+          <a:p>
+            <a:pPr marL="0" indent="0">
+              <a:buNone/>
+            </a:pPr>
             <a:endParaRPr kumimoji="1" lang="zh-CN" altLang="en-US" dirty="0"/>
           </a:p>
         </p:txBody>
